--- a/Diagnostics/local/Figures/paper_figures/Fig1.pptx
+++ b/Diagnostics/local/Figures/paper_figures/Fig1.pptx
@@ -197,7 +197,7 @@
           <a:p>
             <a:fld id="{35AC45B3-7EA6-4BE2-93A0-CBD29CB287C0}" type="datetimeFigureOut">
               <a:rPr lang="en-US" smtClean="0"/>
-              <a:t>3/5/2023</a:t>
+              <a:t>5/15/2023</a:t>
             </a:fld>
             <a:endParaRPr lang="en-US"/>
           </a:p>
@@ -679,7 +679,7 @@
           <a:p>
             <a:fld id="{7605E09F-1329-4994-8266-187CDE3C8E3F}" type="datetimeFigureOut">
               <a:rPr lang="en-US" smtClean="0"/>
-              <a:t>3/5/2023</a:t>
+              <a:t>5/15/2023</a:t>
             </a:fld>
             <a:endParaRPr lang="en-US"/>
           </a:p>
@@ -849,7 +849,7 @@
           <a:p>
             <a:fld id="{7605E09F-1329-4994-8266-187CDE3C8E3F}" type="datetimeFigureOut">
               <a:rPr lang="en-US" smtClean="0"/>
-              <a:t>3/5/2023</a:t>
+              <a:t>5/15/2023</a:t>
             </a:fld>
             <a:endParaRPr lang="en-US"/>
           </a:p>
@@ -1029,7 +1029,7 @@
           <a:p>
             <a:fld id="{7605E09F-1329-4994-8266-187CDE3C8E3F}" type="datetimeFigureOut">
               <a:rPr lang="en-US" smtClean="0"/>
-              <a:t>3/5/2023</a:t>
+              <a:t>5/15/2023</a:t>
             </a:fld>
             <a:endParaRPr lang="en-US"/>
           </a:p>
@@ -1199,7 +1199,7 @@
           <a:p>
             <a:fld id="{7605E09F-1329-4994-8266-187CDE3C8E3F}" type="datetimeFigureOut">
               <a:rPr lang="en-US" smtClean="0"/>
-              <a:t>3/5/2023</a:t>
+              <a:t>5/15/2023</a:t>
             </a:fld>
             <a:endParaRPr lang="en-US"/>
           </a:p>
@@ -1445,7 +1445,7 @@
           <a:p>
             <a:fld id="{7605E09F-1329-4994-8266-187CDE3C8E3F}" type="datetimeFigureOut">
               <a:rPr lang="en-US" smtClean="0"/>
-              <a:t>3/5/2023</a:t>
+              <a:t>5/15/2023</a:t>
             </a:fld>
             <a:endParaRPr lang="en-US"/>
           </a:p>
@@ -1677,7 +1677,7 @@
           <a:p>
             <a:fld id="{7605E09F-1329-4994-8266-187CDE3C8E3F}" type="datetimeFigureOut">
               <a:rPr lang="en-US" smtClean="0"/>
-              <a:t>3/5/2023</a:t>
+              <a:t>5/15/2023</a:t>
             </a:fld>
             <a:endParaRPr lang="en-US"/>
           </a:p>
@@ -2044,7 +2044,7 @@
           <a:p>
             <a:fld id="{7605E09F-1329-4994-8266-187CDE3C8E3F}" type="datetimeFigureOut">
               <a:rPr lang="en-US" smtClean="0"/>
-              <a:t>3/5/2023</a:t>
+              <a:t>5/15/2023</a:t>
             </a:fld>
             <a:endParaRPr lang="en-US"/>
           </a:p>
@@ -2162,7 +2162,7 @@
           <a:p>
             <a:fld id="{7605E09F-1329-4994-8266-187CDE3C8E3F}" type="datetimeFigureOut">
               <a:rPr lang="en-US" smtClean="0"/>
-              <a:t>3/5/2023</a:t>
+              <a:t>5/15/2023</a:t>
             </a:fld>
             <a:endParaRPr lang="en-US"/>
           </a:p>
@@ -2257,7 +2257,7 @@
           <a:p>
             <a:fld id="{7605E09F-1329-4994-8266-187CDE3C8E3F}" type="datetimeFigureOut">
               <a:rPr lang="en-US" smtClean="0"/>
-              <a:t>3/5/2023</a:t>
+              <a:t>5/15/2023</a:t>
             </a:fld>
             <a:endParaRPr lang="en-US"/>
           </a:p>
@@ -2534,7 +2534,7 @@
           <a:p>
             <a:fld id="{7605E09F-1329-4994-8266-187CDE3C8E3F}" type="datetimeFigureOut">
               <a:rPr lang="en-US" smtClean="0"/>
-              <a:t>3/5/2023</a:t>
+              <a:t>5/15/2023</a:t>
             </a:fld>
             <a:endParaRPr lang="en-US"/>
           </a:p>
@@ -2791,7 +2791,7 @@
           <a:p>
             <a:fld id="{7605E09F-1329-4994-8266-187CDE3C8E3F}" type="datetimeFigureOut">
               <a:rPr lang="en-US" smtClean="0"/>
-              <a:t>3/5/2023</a:t>
+              <a:t>5/15/2023</a:t>
             </a:fld>
             <a:endParaRPr lang="en-US"/>
           </a:p>
@@ -3004,7 +3004,7 @@
           <a:p>
             <a:fld id="{7605E09F-1329-4994-8266-187CDE3C8E3F}" type="datetimeFigureOut">
               <a:rPr lang="en-US" smtClean="0"/>
-              <a:t>3/5/2023</a:t>
+              <a:t>5/15/2023</a:t>
             </a:fld>
             <a:endParaRPr lang="en-US"/>
           </a:p>
@@ -3411,10 +3411,10 @@
       </p:grpSpPr>
       <p:pic>
         <p:nvPicPr>
-          <p:cNvPr id="3" name="Picture 2">
+          <p:cNvPr id="4" name="Picture 3">
             <a:extLst>
               <a:ext uri="{FF2B5EF4-FFF2-40B4-BE49-F238E27FC236}">
-                <a16:creationId xmlns:a16="http://schemas.microsoft.com/office/drawing/2014/main" id="{7CF95D62-893F-4599-9A94-CFFD1429CC28}"/>
+                <a16:creationId xmlns:a16="http://schemas.microsoft.com/office/drawing/2014/main" id="{4E289DBD-3FB8-4DF2-88D7-654AB22FB427}"/>
               </a:ext>
             </a:extLst>
           </p:cNvPr>
@@ -3431,56 +3431,21 @@
               </a:ext>
             </a:extLst>
           </a:blip>
-          <a:srcRect l="9439" t="6504" r="1972" b="2830"/>
+          <a:srcRect l="9080" t="4866" r="2143" b="2319"/>
           <a:stretch/>
         </p:blipFill>
         <p:spPr>
           <a:xfrm>
-            <a:off x="0" y="0"/>
-            <a:ext cx="9461090" cy="5676133"/>
+            <a:off x="134233" y="9539"/>
+            <a:ext cx="9218898" cy="5649883"/>
           </a:xfrm>
           <a:prstGeom prst="rect">
             <a:avLst/>
           </a:prstGeom>
         </p:spPr>
       </p:pic>
-      <p:pic>
-        <p:nvPicPr>
-          <p:cNvPr id="12" name="Picture 11">
-            <a:extLst>
-              <a:ext uri="{FF2B5EF4-FFF2-40B4-BE49-F238E27FC236}">
-                <a16:creationId xmlns:a16="http://schemas.microsoft.com/office/drawing/2014/main" id="{5A4B8744-427A-8CC1-D567-FC0E51E54A59}"/>
-              </a:ext>
-            </a:extLst>
-          </p:cNvPr>
-          <p:cNvPicPr>
-            <a:picLocks noChangeAspect="1"/>
-          </p:cNvPicPr>
-          <p:nvPr/>
-        </p:nvPicPr>
-        <p:blipFill rotWithShape="1">
-          <a:blip r:embed="rId4">
-            <a:extLst>
-              <a:ext uri="{28A0092B-C50C-407E-A947-70E740481C1C}">
-                <a14:useLocalDpi xmlns:a14="http://schemas.microsoft.com/office/drawing/2010/main" val="0"/>
-              </a:ext>
-            </a:extLst>
-          </a:blip>
-          <a:srcRect l="1801" t="22068" r="92956" b="28241"/>
-          <a:stretch/>
-        </p:blipFill>
-        <p:spPr>
-          <a:xfrm>
-            <a:off x="9526212" y="711194"/>
-            <a:ext cx="546216" cy="3599871"/>
-          </a:xfrm>
-          <a:prstGeom prst="rect">
-            <a:avLst/>
-          </a:prstGeom>
-        </p:spPr>
-      </p:pic>
-      <mc:AlternateContent xmlns:mc="http://schemas.openxmlformats.org/markup-compatibility/2006">
-        <mc:Choice xmlns:a14="http://schemas.microsoft.com/office/drawing/2010/main" Requires="a14">
+      <mc:AlternateContent xmlns:mc="http://schemas.openxmlformats.org/markup-compatibility/2006" xmlns:a14="http://schemas.microsoft.com/office/drawing/2010/main">
+        <mc:Choice Requires="a14">
           <p:sp>
             <p:nvSpPr>
               <p:cNvPr id="14" name="TextBox 13">
@@ -3711,7 +3676,7 @@
             </p:txBody>
           </p:sp>
         </mc:Choice>
-        <mc:Fallback>
+        <mc:Fallback xmlns="">
           <p:sp>
             <p:nvSpPr>
               <p:cNvPr id="14" name="TextBox 13">
@@ -3756,8 +3721,8 @@
           </p:sp>
         </mc:Fallback>
       </mc:AlternateContent>
-      <mc:AlternateContent xmlns:mc="http://schemas.openxmlformats.org/markup-compatibility/2006">
-        <mc:Choice xmlns:a14="http://schemas.microsoft.com/office/drawing/2010/main" Requires="a14">
+      <mc:AlternateContent xmlns:mc="http://schemas.openxmlformats.org/markup-compatibility/2006" xmlns:a14="http://schemas.microsoft.com/office/drawing/2010/main">
+        <mc:Choice Requires="a14">
           <p:sp>
             <p:nvSpPr>
               <p:cNvPr id="15" name="TextBox 14">
@@ -3988,7 +3953,7 @@
             </p:txBody>
           </p:sp>
         </mc:Choice>
-        <mc:Fallback>
+        <mc:Fallback xmlns="">
           <p:sp>
             <p:nvSpPr>
               <p:cNvPr id="15" name="TextBox 14">
@@ -4308,6 +4273,36 @@
           </a:p>
         </p:txBody>
       </p:sp>
+      <p:pic>
+        <p:nvPicPr>
+          <p:cNvPr id="5" name="Picture 4">
+            <a:extLst>
+              <a:ext uri="{FF2B5EF4-FFF2-40B4-BE49-F238E27FC236}">
+                <a16:creationId xmlns:a16="http://schemas.microsoft.com/office/drawing/2014/main" id="{10AA247F-EBDF-42AC-A695-75B0CD72D4F6}"/>
+              </a:ext>
+            </a:extLst>
+          </p:cNvPr>
+          <p:cNvPicPr>
+            <a:picLocks noChangeAspect="1"/>
+          </p:cNvPicPr>
+          <p:nvPr/>
+        </p:nvPicPr>
+        <p:blipFill>
+          <a:blip r:embed="rId7"/>
+          <a:stretch>
+            <a:fillRect/>
+          </a:stretch>
+        </p:blipFill>
+        <p:spPr>
+          <a:xfrm>
+            <a:off x="9353131" y="661331"/>
+            <a:ext cx="491231" cy="3997136"/>
+          </a:xfrm>
+          <a:prstGeom prst="rect">
+            <a:avLst/>
+          </a:prstGeom>
+        </p:spPr>
+      </p:pic>
     </p:spTree>
     <p:extLst>
       <p:ext uri="{BB962C8B-B14F-4D97-AF65-F5344CB8AC3E}">

--- a/Diagnostics/local/Figures/paper_figures/Fig1.pptx
+++ b/Diagnostics/local/Figures/paper_figures/Fig1.pptx
@@ -197,7 +197,7 @@
           <a:p>
             <a:fld id="{35AC45B3-7EA6-4BE2-93A0-CBD29CB287C0}" type="datetimeFigureOut">
               <a:rPr lang="en-US" smtClean="0"/>
-              <a:t>5/15/2023</a:t>
+              <a:t>6/15/23</a:t>
             </a:fld>
             <a:endParaRPr lang="en-US"/>
           </a:p>
@@ -679,7 +679,7 @@
           <a:p>
             <a:fld id="{7605E09F-1329-4994-8266-187CDE3C8E3F}" type="datetimeFigureOut">
               <a:rPr lang="en-US" smtClean="0"/>
-              <a:t>5/15/2023</a:t>
+              <a:t>6/15/23</a:t>
             </a:fld>
             <a:endParaRPr lang="en-US"/>
           </a:p>
@@ -849,7 +849,7 @@
           <a:p>
             <a:fld id="{7605E09F-1329-4994-8266-187CDE3C8E3F}" type="datetimeFigureOut">
               <a:rPr lang="en-US" smtClean="0"/>
-              <a:t>5/15/2023</a:t>
+              <a:t>6/15/23</a:t>
             </a:fld>
             <a:endParaRPr lang="en-US"/>
           </a:p>
@@ -1029,7 +1029,7 @@
           <a:p>
             <a:fld id="{7605E09F-1329-4994-8266-187CDE3C8E3F}" type="datetimeFigureOut">
               <a:rPr lang="en-US" smtClean="0"/>
-              <a:t>5/15/2023</a:t>
+              <a:t>6/15/23</a:t>
             </a:fld>
             <a:endParaRPr lang="en-US"/>
           </a:p>
@@ -1199,7 +1199,7 @@
           <a:p>
             <a:fld id="{7605E09F-1329-4994-8266-187CDE3C8E3F}" type="datetimeFigureOut">
               <a:rPr lang="en-US" smtClean="0"/>
-              <a:t>5/15/2023</a:t>
+              <a:t>6/15/23</a:t>
             </a:fld>
             <a:endParaRPr lang="en-US"/>
           </a:p>
@@ -1445,7 +1445,7 @@
           <a:p>
             <a:fld id="{7605E09F-1329-4994-8266-187CDE3C8E3F}" type="datetimeFigureOut">
               <a:rPr lang="en-US" smtClean="0"/>
-              <a:t>5/15/2023</a:t>
+              <a:t>6/15/23</a:t>
             </a:fld>
             <a:endParaRPr lang="en-US"/>
           </a:p>
@@ -1677,7 +1677,7 @@
           <a:p>
             <a:fld id="{7605E09F-1329-4994-8266-187CDE3C8E3F}" type="datetimeFigureOut">
               <a:rPr lang="en-US" smtClean="0"/>
-              <a:t>5/15/2023</a:t>
+              <a:t>6/15/23</a:t>
             </a:fld>
             <a:endParaRPr lang="en-US"/>
           </a:p>
@@ -2044,7 +2044,7 @@
           <a:p>
             <a:fld id="{7605E09F-1329-4994-8266-187CDE3C8E3F}" type="datetimeFigureOut">
               <a:rPr lang="en-US" smtClean="0"/>
-              <a:t>5/15/2023</a:t>
+              <a:t>6/15/23</a:t>
             </a:fld>
             <a:endParaRPr lang="en-US"/>
           </a:p>
@@ -2162,7 +2162,7 @@
           <a:p>
             <a:fld id="{7605E09F-1329-4994-8266-187CDE3C8E3F}" type="datetimeFigureOut">
               <a:rPr lang="en-US" smtClean="0"/>
-              <a:t>5/15/2023</a:t>
+              <a:t>6/15/23</a:t>
             </a:fld>
             <a:endParaRPr lang="en-US"/>
           </a:p>
@@ -2257,7 +2257,7 @@
           <a:p>
             <a:fld id="{7605E09F-1329-4994-8266-187CDE3C8E3F}" type="datetimeFigureOut">
               <a:rPr lang="en-US" smtClean="0"/>
-              <a:t>5/15/2023</a:t>
+              <a:t>6/15/23</a:t>
             </a:fld>
             <a:endParaRPr lang="en-US"/>
           </a:p>
@@ -2534,7 +2534,7 @@
           <a:p>
             <a:fld id="{7605E09F-1329-4994-8266-187CDE3C8E3F}" type="datetimeFigureOut">
               <a:rPr lang="en-US" smtClean="0"/>
-              <a:t>5/15/2023</a:t>
+              <a:t>6/15/23</a:t>
             </a:fld>
             <a:endParaRPr lang="en-US"/>
           </a:p>
@@ -2791,7 +2791,7 @@
           <a:p>
             <a:fld id="{7605E09F-1329-4994-8266-187CDE3C8E3F}" type="datetimeFigureOut">
               <a:rPr lang="en-US" smtClean="0"/>
-              <a:t>5/15/2023</a:t>
+              <a:t>6/15/23</a:t>
             </a:fld>
             <a:endParaRPr lang="en-US"/>
           </a:p>
@@ -3004,7 +3004,7 @@
           <a:p>
             <a:fld id="{7605E09F-1329-4994-8266-187CDE3C8E3F}" type="datetimeFigureOut">
               <a:rPr lang="en-US" smtClean="0"/>
-              <a:t>5/15/2023</a:t>
+              <a:t>6/15/23</a:t>
             </a:fld>
             <a:endParaRPr lang="en-US"/>
           </a:p>
@@ -3411,10 +3411,10 @@
       </p:grpSpPr>
       <p:pic>
         <p:nvPicPr>
-          <p:cNvPr id="4" name="Picture 3">
+          <p:cNvPr id="3" name="Picture 2" descr="A picture containing text, line, plot, diagram&#10;&#10;Description automatically generated">
             <a:extLst>
               <a:ext uri="{FF2B5EF4-FFF2-40B4-BE49-F238E27FC236}">
-                <a16:creationId xmlns:a16="http://schemas.microsoft.com/office/drawing/2014/main" id="{4E289DBD-3FB8-4DF2-88D7-654AB22FB427}"/>
+                <a16:creationId xmlns:a16="http://schemas.microsoft.com/office/drawing/2014/main" id="{5AEE12CF-316D-844D-4F98-516693BF2A4B}"/>
               </a:ext>
             </a:extLst>
           </p:cNvPr>
@@ -3431,21 +3431,21 @@
               </a:ext>
             </a:extLst>
           </a:blip>
-          <a:srcRect l="9080" t="4866" r="2143" b="2319"/>
+          <a:srcRect l="4840" t="6577" r="1190" b="2060"/>
           <a:stretch/>
         </p:blipFill>
         <p:spPr>
           <a:xfrm>
-            <a:off x="134233" y="9539"/>
-            <a:ext cx="9218898" cy="5649883"/>
+            <a:off x="43544" y="9614"/>
+            <a:ext cx="9927771" cy="5658277"/>
           </a:xfrm>
           <a:prstGeom prst="rect">
             <a:avLst/>
           </a:prstGeom>
         </p:spPr>
       </p:pic>
-      <mc:AlternateContent xmlns:mc="http://schemas.openxmlformats.org/markup-compatibility/2006" xmlns:a14="http://schemas.microsoft.com/office/drawing/2010/main">
-        <mc:Choice Requires="a14">
+      <mc:AlternateContent xmlns:mc="http://schemas.openxmlformats.org/markup-compatibility/2006">
+        <mc:Choice xmlns:a14="http://schemas.microsoft.com/office/drawing/2010/main" Requires="a14">
           <p:sp>
             <p:nvSpPr>
               <p:cNvPr id="14" name="TextBox 13">
@@ -3460,7 +3460,7 @@
             </p:nvSpPr>
             <p:spPr>
               <a:xfrm>
-                <a:off x="2669385" y="4084759"/>
+                <a:off x="2669385" y="4006378"/>
                 <a:ext cx="2680990" cy="812723"/>
               </a:xfrm>
               <a:prstGeom prst="rect">
@@ -3676,7 +3676,7 @@
             </p:txBody>
           </p:sp>
         </mc:Choice>
-        <mc:Fallback xmlns="">
+        <mc:Fallback>
           <p:sp>
             <p:nvSpPr>
               <p:cNvPr id="14" name="TextBox 13">
@@ -3693,16 +3693,16 @@
             </p:nvSpPr>
             <p:spPr>
               <a:xfrm>
-                <a:off x="2669385" y="4084759"/>
+                <a:off x="2669385" y="4006378"/>
                 <a:ext cx="2680990" cy="812723"/>
               </a:xfrm>
               <a:prstGeom prst="rect">
                 <a:avLst/>
               </a:prstGeom>
               <a:blipFill>
-                <a:blip r:embed="rId5"/>
+                <a:blip r:embed="rId4"/>
                 <a:stretch>
-                  <a:fillRect/>
+                  <a:fillRect l="-2830" b="-6154"/>
                 </a:stretch>
               </a:blipFill>
             </p:spPr>
@@ -4012,7 +4012,7 @@
         </p:nvSpPr>
         <p:spPr>
           <a:xfrm>
-            <a:off x="997189" y="239040"/>
+            <a:off x="1070011" y="239040"/>
             <a:ext cx="324128" cy="523220"/>
           </a:xfrm>
           <a:prstGeom prst="rect">
@@ -4088,7 +4088,7 @@
         </p:nvSpPr>
         <p:spPr>
           <a:xfrm>
-            <a:off x="2998053" y="239040"/>
+            <a:off x="2928381" y="239040"/>
             <a:ext cx="603050" cy="523220"/>
           </a:xfrm>
           <a:prstGeom prst="rect">
@@ -4126,7 +4126,7 @@
         </p:nvSpPr>
         <p:spPr>
           <a:xfrm>
-            <a:off x="5409367" y="239040"/>
+            <a:off x="5479039" y="239040"/>
             <a:ext cx="583814" cy="523220"/>
           </a:xfrm>
           <a:prstGeom prst="rect">
@@ -4273,36 +4273,6 @@
           </a:p>
         </p:txBody>
       </p:sp>
-      <p:pic>
-        <p:nvPicPr>
-          <p:cNvPr id="5" name="Picture 4">
-            <a:extLst>
-              <a:ext uri="{FF2B5EF4-FFF2-40B4-BE49-F238E27FC236}">
-                <a16:creationId xmlns:a16="http://schemas.microsoft.com/office/drawing/2014/main" id="{10AA247F-EBDF-42AC-A695-75B0CD72D4F6}"/>
-              </a:ext>
-            </a:extLst>
-          </p:cNvPr>
-          <p:cNvPicPr>
-            <a:picLocks noChangeAspect="1"/>
-          </p:cNvPicPr>
-          <p:nvPr/>
-        </p:nvPicPr>
-        <p:blipFill>
-          <a:blip r:embed="rId7"/>
-          <a:stretch>
-            <a:fillRect/>
-          </a:stretch>
-        </p:blipFill>
-        <p:spPr>
-          <a:xfrm>
-            <a:off x="9353131" y="661331"/>
-            <a:ext cx="491231" cy="3997136"/>
-          </a:xfrm>
-          <a:prstGeom prst="rect">
-            <a:avLst/>
-          </a:prstGeom>
-        </p:spPr>
-      </p:pic>
     </p:spTree>
     <p:extLst>
       <p:ext uri="{BB962C8B-B14F-4D97-AF65-F5344CB8AC3E}">

--- a/Diagnostics/local/Figures/paper_figures/Fig1.pptx
+++ b/Diagnostics/local/Figures/paper_figures/Fig1.pptx
@@ -197,7 +197,7 @@
           <a:p>
             <a:fld id="{35AC45B3-7EA6-4BE2-93A0-CBD29CB287C0}" type="datetimeFigureOut">
               <a:rPr lang="en-US" smtClean="0"/>
-              <a:t>6/15/23</a:t>
+              <a:t>7/27/2023</a:t>
             </a:fld>
             <a:endParaRPr lang="en-US"/>
           </a:p>
@@ -679,7 +679,7 @@
           <a:p>
             <a:fld id="{7605E09F-1329-4994-8266-187CDE3C8E3F}" type="datetimeFigureOut">
               <a:rPr lang="en-US" smtClean="0"/>
-              <a:t>6/15/23</a:t>
+              <a:t>7/27/2023</a:t>
             </a:fld>
             <a:endParaRPr lang="en-US"/>
           </a:p>
@@ -849,7 +849,7 @@
           <a:p>
             <a:fld id="{7605E09F-1329-4994-8266-187CDE3C8E3F}" type="datetimeFigureOut">
               <a:rPr lang="en-US" smtClean="0"/>
-              <a:t>6/15/23</a:t>
+              <a:t>7/27/2023</a:t>
             </a:fld>
             <a:endParaRPr lang="en-US"/>
           </a:p>
@@ -1029,7 +1029,7 @@
           <a:p>
             <a:fld id="{7605E09F-1329-4994-8266-187CDE3C8E3F}" type="datetimeFigureOut">
               <a:rPr lang="en-US" smtClean="0"/>
-              <a:t>6/15/23</a:t>
+              <a:t>7/27/2023</a:t>
             </a:fld>
             <a:endParaRPr lang="en-US"/>
           </a:p>
@@ -1199,7 +1199,7 @@
           <a:p>
             <a:fld id="{7605E09F-1329-4994-8266-187CDE3C8E3F}" type="datetimeFigureOut">
               <a:rPr lang="en-US" smtClean="0"/>
-              <a:t>6/15/23</a:t>
+              <a:t>7/27/2023</a:t>
             </a:fld>
             <a:endParaRPr lang="en-US"/>
           </a:p>
@@ -1445,7 +1445,7 @@
           <a:p>
             <a:fld id="{7605E09F-1329-4994-8266-187CDE3C8E3F}" type="datetimeFigureOut">
               <a:rPr lang="en-US" smtClean="0"/>
-              <a:t>6/15/23</a:t>
+              <a:t>7/27/2023</a:t>
             </a:fld>
             <a:endParaRPr lang="en-US"/>
           </a:p>
@@ -1677,7 +1677,7 @@
           <a:p>
             <a:fld id="{7605E09F-1329-4994-8266-187CDE3C8E3F}" type="datetimeFigureOut">
               <a:rPr lang="en-US" smtClean="0"/>
-              <a:t>6/15/23</a:t>
+              <a:t>7/27/2023</a:t>
             </a:fld>
             <a:endParaRPr lang="en-US"/>
           </a:p>
@@ -2044,7 +2044,7 @@
           <a:p>
             <a:fld id="{7605E09F-1329-4994-8266-187CDE3C8E3F}" type="datetimeFigureOut">
               <a:rPr lang="en-US" smtClean="0"/>
-              <a:t>6/15/23</a:t>
+              <a:t>7/27/2023</a:t>
             </a:fld>
             <a:endParaRPr lang="en-US"/>
           </a:p>
@@ -2162,7 +2162,7 @@
           <a:p>
             <a:fld id="{7605E09F-1329-4994-8266-187CDE3C8E3F}" type="datetimeFigureOut">
               <a:rPr lang="en-US" smtClean="0"/>
-              <a:t>6/15/23</a:t>
+              <a:t>7/27/2023</a:t>
             </a:fld>
             <a:endParaRPr lang="en-US"/>
           </a:p>
@@ -2257,7 +2257,7 @@
           <a:p>
             <a:fld id="{7605E09F-1329-4994-8266-187CDE3C8E3F}" type="datetimeFigureOut">
               <a:rPr lang="en-US" smtClean="0"/>
-              <a:t>6/15/23</a:t>
+              <a:t>7/27/2023</a:t>
             </a:fld>
             <a:endParaRPr lang="en-US"/>
           </a:p>
@@ -2534,7 +2534,7 @@
           <a:p>
             <a:fld id="{7605E09F-1329-4994-8266-187CDE3C8E3F}" type="datetimeFigureOut">
               <a:rPr lang="en-US" smtClean="0"/>
-              <a:t>6/15/23</a:t>
+              <a:t>7/27/2023</a:t>
             </a:fld>
             <a:endParaRPr lang="en-US"/>
           </a:p>
@@ -2791,7 +2791,7 @@
           <a:p>
             <a:fld id="{7605E09F-1329-4994-8266-187CDE3C8E3F}" type="datetimeFigureOut">
               <a:rPr lang="en-US" smtClean="0"/>
-              <a:t>6/15/23</a:t>
+              <a:t>7/27/2023</a:t>
             </a:fld>
             <a:endParaRPr lang="en-US"/>
           </a:p>
@@ -3004,7 +3004,7 @@
           <a:p>
             <a:fld id="{7605E09F-1329-4994-8266-187CDE3C8E3F}" type="datetimeFigureOut">
               <a:rPr lang="en-US" smtClean="0"/>
-              <a:t>6/15/23</a:t>
+              <a:t>7/27/2023</a:t>
             </a:fld>
             <a:endParaRPr lang="en-US"/>
           </a:p>
@@ -3411,10 +3411,10 @@
       </p:grpSpPr>
       <p:pic>
         <p:nvPicPr>
-          <p:cNvPr id="3" name="Picture 2" descr="A picture containing text, line, plot, diagram&#10;&#10;Description automatically generated">
+          <p:cNvPr id="6" name="Picture 5">
             <a:extLst>
               <a:ext uri="{FF2B5EF4-FFF2-40B4-BE49-F238E27FC236}">
-                <a16:creationId xmlns:a16="http://schemas.microsoft.com/office/drawing/2014/main" id="{5AEE12CF-316D-844D-4F98-516693BF2A4B}"/>
+                <a16:creationId xmlns:a16="http://schemas.microsoft.com/office/drawing/2014/main" id="{D4AD1B21-FF9F-4EB6-8F39-D2754FE37E94}"/>
               </a:ext>
             </a:extLst>
           </p:cNvPr>
@@ -3431,573 +3431,19 @@
               </a:ext>
             </a:extLst>
           </a:blip>
-          <a:srcRect l="4840" t="6577" r="1190" b="2060"/>
+          <a:srcRect l="5620" t="6374" b="2180"/>
           <a:stretch/>
         </p:blipFill>
         <p:spPr>
           <a:xfrm>
-            <a:off x="43544" y="9614"/>
-            <a:ext cx="9927771" cy="5658277"/>
+            <a:off x="117987" y="0"/>
+            <a:ext cx="10006781" cy="5683722"/>
           </a:xfrm>
           <a:prstGeom prst="rect">
             <a:avLst/>
           </a:prstGeom>
         </p:spPr>
       </p:pic>
-      <mc:AlternateContent xmlns:mc="http://schemas.openxmlformats.org/markup-compatibility/2006">
-        <mc:Choice xmlns:a14="http://schemas.microsoft.com/office/drawing/2010/main" Requires="a14">
-          <p:sp>
-            <p:nvSpPr>
-              <p:cNvPr id="14" name="TextBox 13">
-                <a:extLst>
-                  <a:ext uri="{FF2B5EF4-FFF2-40B4-BE49-F238E27FC236}">
-                    <a16:creationId xmlns:a16="http://schemas.microsoft.com/office/drawing/2014/main" id="{B37F84DB-ED56-FA07-761E-43C43DACDCA0}"/>
-                  </a:ext>
-                </a:extLst>
-              </p:cNvPr>
-              <p:cNvSpPr txBox="1"/>
-              <p:nvPr/>
-            </p:nvSpPr>
-            <p:spPr>
-              <a:xfrm>
-                <a:off x="2669385" y="4006378"/>
-                <a:ext cx="2680990" cy="812723"/>
-              </a:xfrm>
-              <a:prstGeom prst="rect">
-                <a:avLst/>
-              </a:prstGeom>
-              <a:noFill/>
-            </p:spPr>
-            <p:txBody>
-              <a:bodyPr wrap="none" lIns="0" tIns="0" rIns="0" bIns="0" rtlCol="0">
-                <a:spAutoFit/>
-              </a:bodyPr>
-              <a:lstStyle/>
-              <a:p>
-                <a:pPr/>
-                <a14:m>
-                  <m:oMathPara xmlns:m="http://schemas.openxmlformats.org/officeDocument/2006/math">
-                    <m:oMathParaPr>
-                      <m:jc m:val="centerGroup"/>
-                    </m:oMathParaPr>
-                    <m:oMath xmlns:m="http://schemas.openxmlformats.org/officeDocument/2006/math">
-                      <m:f>
-                        <m:fPr>
-                          <m:ctrlPr>
-                            <a:rPr lang="en-US" sz="2400" b="1" i="1" smtClean="0">
-                              <a:latin typeface="Cambria Math" panose="02040503050406030204" pitchFamily="18" charset="0"/>
-                            </a:rPr>
-                          </m:ctrlPr>
-                        </m:fPr>
-                        <m:num>
-                          <m:r>
-                            <a:rPr lang="en-US" sz="2400" b="1" i="1" smtClean="0">
-                              <a:latin typeface="Cambria Math" panose="02040503050406030204" pitchFamily="18" charset="0"/>
-                            </a:rPr>
-                            <m:t>𝒅</m:t>
-                          </m:r>
-                          <m:sSub>
-                            <m:sSubPr>
-                              <m:ctrlPr>
-                                <a:rPr lang="en-US" sz="2400" b="1" i="1" smtClean="0">
-                                  <a:latin typeface="Cambria Math" panose="02040503050406030204" pitchFamily="18" charset="0"/>
-                                </a:rPr>
-                              </m:ctrlPr>
-                            </m:sSubPr>
-                            <m:e>
-                              <m:r>
-                                <a:rPr lang="en-US" sz="2400" b="1" i="1" smtClean="0">
-                                  <a:latin typeface="Cambria Math" panose="02040503050406030204" pitchFamily="18" charset="0"/>
-                                </a:rPr>
-                                <m:t>𝑱</m:t>
-                              </m:r>
-                            </m:e>
-                            <m:sub>
-                              <m:r>
-                                <a:rPr lang="en-US" sz="2400" b="1" i="1" smtClean="0">
-                                  <a:latin typeface="Cambria Math" panose="02040503050406030204" pitchFamily="18" charset="0"/>
-                                </a:rPr>
-                                <m:t>𝒛</m:t>
-                              </m:r>
-                            </m:sub>
-                          </m:sSub>
-                        </m:num>
-                        <m:den>
-                          <m:r>
-                            <a:rPr lang="en-US" sz="2400" b="1" i="1" smtClean="0">
-                              <a:latin typeface="Cambria Math" panose="02040503050406030204" pitchFamily="18" charset="0"/>
-                            </a:rPr>
-                            <m:t>𝒅𝒕</m:t>
-                          </m:r>
-                        </m:den>
-                      </m:f>
-                      <m:r>
-                        <a:rPr lang="en-US" sz="2400" b="1" i="1" smtClean="0">
-                          <a:latin typeface="Cambria Math" panose="02040503050406030204" pitchFamily="18" charset="0"/>
-                        </a:rPr>
-                        <m:t>≈</m:t>
-                      </m:r>
-                      <m:r>
-                        <a:rPr lang="en-US" sz="2400" b="1" i="1" smtClean="0">
-                          <a:latin typeface="Cambria Math" panose="02040503050406030204" pitchFamily="18" charset="0"/>
-                        </a:rPr>
-                        <m:t>𝟎</m:t>
-                      </m:r>
-                      <m:r>
-                        <a:rPr lang="en-US" sz="2400" b="1" i="1" smtClean="0">
-                          <a:latin typeface="Cambria Math" panose="02040503050406030204" pitchFamily="18" charset="0"/>
-                        </a:rPr>
-                        <m:t>.</m:t>
-                      </m:r>
-                      <m:r>
-                        <a:rPr lang="en-US" sz="2400" b="1" i="1" smtClean="0">
-                          <a:latin typeface="Cambria Math" panose="02040503050406030204" pitchFamily="18" charset="0"/>
-                        </a:rPr>
-                        <m:t>𝟑</m:t>
-                      </m:r>
-                      <m:f>
-                        <m:fPr>
-                          <m:ctrlPr>
-                            <a:rPr lang="en-US" sz="2400" b="1" i="1" smtClean="0">
-                              <a:latin typeface="Cambria Math" panose="02040503050406030204" pitchFamily="18" charset="0"/>
-                            </a:rPr>
-                          </m:ctrlPr>
-                        </m:fPr>
-                        <m:num>
-                          <m:sSup>
-                            <m:sSupPr>
-                              <m:ctrlPr>
-                                <a:rPr lang="en-US" sz="2400" b="1" i="1" smtClean="0">
-                                  <a:latin typeface="Cambria Math" panose="02040503050406030204" pitchFamily="18" charset="0"/>
-                                </a:rPr>
-                              </m:ctrlPr>
-                            </m:sSupPr>
-                            <m:e>
-                              <m:r>
-                                <a:rPr lang="en-US" sz="2400" b="1" i="1" smtClean="0">
-                                  <a:latin typeface="Cambria Math" panose="02040503050406030204" pitchFamily="18" charset="0"/>
-                                </a:rPr>
-                                <m:t>𝒆</m:t>
-                              </m:r>
-                            </m:e>
-                            <m:sup>
-                              <m:r>
-                                <a:rPr lang="en-US" sz="2400" b="1" i="1" smtClean="0">
-                                  <a:latin typeface="Cambria Math" panose="02040503050406030204" pitchFamily="18" charset="0"/>
-                                </a:rPr>
-                                <m:t>𝟐</m:t>
-                              </m:r>
-                            </m:sup>
-                          </m:sSup>
-                          <m:sSub>
-                            <m:sSubPr>
-                              <m:ctrlPr>
-                                <a:rPr lang="en-US" sz="2400" b="1" i="1" smtClean="0">
-                                  <a:latin typeface="Cambria Math" panose="02040503050406030204" pitchFamily="18" charset="0"/>
-                                </a:rPr>
-                              </m:ctrlPr>
-                            </m:sSubPr>
-                            <m:e>
-                              <m:r>
-                                <a:rPr lang="en-US" sz="2400" b="1" i="1" smtClean="0">
-                                  <a:latin typeface="Cambria Math" panose="02040503050406030204" pitchFamily="18" charset="0"/>
-                                </a:rPr>
-                                <m:t>𝒏</m:t>
-                              </m:r>
-                            </m:e>
-                            <m:sub>
-                              <m:r>
-                                <a:rPr lang="en-US" sz="2400" b="1" i="1" smtClean="0">
-                                  <a:latin typeface="Cambria Math" panose="02040503050406030204" pitchFamily="18" charset="0"/>
-                                </a:rPr>
-                                <m:t>𝟎</m:t>
-                              </m:r>
-                            </m:sub>
-                          </m:sSub>
-                          <m:sSub>
-                            <m:sSubPr>
-                              <m:ctrlPr>
-                                <a:rPr lang="en-US" sz="2400" b="1" i="1" smtClean="0">
-                                  <a:latin typeface="Cambria Math" panose="02040503050406030204" pitchFamily="18" charset="0"/>
-                                </a:rPr>
-                              </m:ctrlPr>
-                            </m:sSubPr>
-                            <m:e>
-                              <m:r>
-                                <a:rPr lang="en-US" sz="2400" b="1" i="1" smtClean="0">
-                                  <a:latin typeface="Cambria Math" panose="02040503050406030204" pitchFamily="18" charset="0"/>
-                                </a:rPr>
-                                <m:t>𝑬</m:t>
-                              </m:r>
-                            </m:e>
-                            <m:sub>
-                              <m:r>
-                                <a:rPr lang="en-US" sz="2400" b="1" i="1" smtClean="0">
-                                  <a:latin typeface="Cambria Math" panose="02040503050406030204" pitchFamily="18" charset="0"/>
-                                </a:rPr>
-                                <m:t>𝒆𝒙𝒕</m:t>
-                              </m:r>
-                            </m:sub>
-                          </m:sSub>
-                        </m:num>
-                        <m:den>
-                          <m:sSub>
-                            <m:sSubPr>
-                              <m:ctrlPr>
-                                <a:rPr lang="en-US" sz="2400" b="1" i="1" smtClean="0">
-                                  <a:latin typeface="Cambria Math" panose="02040503050406030204" pitchFamily="18" charset="0"/>
-                                </a:rPr>
-                              </m:ctrlPr>
-                            </m:sSubPr>
-                            <m:e>
-                              <m:r>
-                                <a:rPr lang="en-US" sz="2400" b="1" i="1" smtClean="0">
-                                  <a:latin typeface="Cambria Math" panose="02040503050406030204" pitchFamily="18" charset="0"/>
-                                </a:rPr>
-                                <m:t>𝒎</m:t>
-                              </m:r>
-                            </m:e>
-                            <m:sub>
-                              <m:r>
-                                <a:rPr lang="en-US" sz="2400" b="1" i="1" smtClean="0">
-                                  <a:latin typeface="Cambria Math" panose="02040503050406030204" pitchFamily="18" charset="0"/>
-                                </a:rPr>
-                                <m:t>𝒆</m:t>
-                              </m:r>
-                            </m:sub>
-                          </m:sSub>
-                        </m:den>
-                      </m:f>
-                    </m:oMath>
-                  </m:oMathPara>
-                </a14:m>
-                <a:endParaRPr lang="en-US" sz="2400" b="1" dirty="0"/>
-              </a:p>
-            </p:txBody>
-          </p:sp>
-        </mc:Choice>
-        <mc:Fallback>
-          <p:sp>
-            <p:nvSpPr>
-              <p:cNvPr id="14" name="TextBox 13">
-                <a:extLst>
-                  <a:ext uri="{FF2B5EF4-FFF2-40B4-BE49-F238E27FC236}">
-                    <a16:creationId xmlns:a16="http://schemas.microsoft.com/office/drawing/2014/main" id="{B37F84DB-ED56-FA07-761E-43C43DACDCA0}"/>
-                  </a:ext>
-                </a:extLst>
-              </p:cNvPr>
-              <p:cNvSpPr txBox="1">
-                <a:spLocks noRot="1" noChangeAspect="1" noMove="1" noResize="1" noEditPoints="1" noAdjustHandles="1" noChangeArrowheads="1" noChangeShapeType="1" noTextEdit="1"/>
-              </p:cNvSpPr>
-              <p:nvPr/>
-            </p:nvSpPr>
-            <p:spPr>
-              <a:xfrm>
-                <a:off x="2669385" y="4006378"/>
-                <a:ext cx="2680990" cy="812723"/>
-              </a:xfrm>
-              <a:prstGeom prst="rect">
-                <a:avLst/>
-              </a:prstGeom>
-              <a:blipFill>
-                <a:blip r:embed="rId4"/>
-                <a:stretch>
-                  <a:fillRect l="-2830" b="-6154"/>
-                </a:stretch>
-              </a:blipFill>
-            </p:spPr>
-            <p:txBody>
-              <a:bodyPr/>
-              <a:lstStyle/>
-              <a:p>
-                <a:r>
-                  <a:rPr lang="en-US">
-                    <a:noFill/>
-                  </a:rPr>
-                  <a:t> </a:t>
-                </a:r>
-              </a:p>
-            </p:txBody>
-          </p:sp>
-        </mc:Fallback>
-      </mc:AlternateContent>
-      <mc:AlternateContent xmlns:mc="http://schemas.openxmlformats.org/markup-compatibility/2006" xmlns:a14="http://schemas.microsoft.com/office/drawing/2010/main">
-        <mc:Choice Requires="a14">
-          <p:sp>
-            <p:nvSpPr>
-              <p:cNvPr id="15" name="TextBox 14">
-                <a:extLst>
-                  <a:ext uri="{FF2B5EF4-FFF2-40B4-BE49-F238E27FC236}">
-                    <a16:creationId xmlns:a16="http://schemas.microsoft.com/office/drawing/2014/main" id="{F777BF90-1A23-335E-DC96-9AF2A0B6312F}"/>
-                  </a:ext>
-                </a:extLst>
-              </p:cNvPr>
-              <p:cNvSpPr txBox="1"/>
-              <p:nvPr/>
-            </p:nvSpPr>
-            <p:spPr>
-              <a:xfrm>
-                <a:off x="5109493" y="3009064"/>
-                <a:ext cx="2680990" cy="812723"/>
-              </a:xfrm>
-              <a:prstGeom prst="rect">
-                <a:avLst/>
-              </a:prstGeom>
-              <a:noFill/>
-            </p:spPr>
-            <p:txBody>
-              <a:bodyPr wrap="none" lIns="0" tIns="0" rIns="0" bIns="0" rtlCol="0">
-                <a:spAutoFit/>
-              </a:bodyPr>
-              <a:lstStyle/>
-              <a:p>
-                <a:pPr/>
-                <a14:m>
-                  <m:oMathPara xmlns:m="http://schemas.openxmlformats.org/officeDocument/2006/math">
-                    <m:oMathParaPr>
-                      <m:jc m:val="centerGroup"/>
-                    </m:oMathParaPr>
-                    <m:oMath xmlns:m="http://schemas.openxmlformats.org/officeDocument/2006/math">
-                      <m:f>
-                        <m:fPr>
-                          <m:ctrlPr>
-                            <a:rPr lang="en-US" sz="2400" b="1" i="1" smtClean="0">
-                              <a:latin typeface="Cambria Math" panose="02040503050406030204" pitchFamily="18" charset="0"/>
-                            </a:rPr>
-                          </m:ctrlPr>
-                        </m:fPr>
-                        <m:num>
-                          <m:r>
-                            <a:rPr lang="en-US" sz="2400" b="1" i="1" smtClean="0">
-                              <a:latin typeface="Cambria Math" panose="02040503050406030204" pitchFamily="18" charset="0"/>
-                            </a:rPr>
-                            <m:t>𝒅</m:t>
-                          </m:r>
-                          <m:sSub>
-                            <m:sSubPr>
-                              <m:ctrlPr>
-                                <a:rPr lang="en-US" sz="2400" b="1" i="1" smtClean="0">
-                                  <a:latin typeface="Cambria Math" panose="02040503050406030204" pitchFamily="18" charset="0"/>
-                                </a:rPr>
-                              </m:ctrlPr>
-                            </m:sSubPr>
-                            <m:e>
-                              <m:r>
-                                <a:rPr lang="en-US" sz="2400" b="1" i="1" smtClean="0">
-                                  <a:latin typeface="Cambria Math" panose="02040503050406030204" pitchFamily="18" charset="0"/>
-                                </a:rPr>
-                                <m:t>𝑱</m:t>
-                              </m:r>
-                            </m:e>
-                            <m:sub>
-                              <m:r>
-                                <a:rPr lang="en-US" sz="2400" b="1" i="1" smtClean="0">
-                                  <a:latin typeface="Cambria Math" panose="02040503050406030204" pitchFamily="18" charset="0"/>
-                                </a:rPr>
-                                <m:t>𝒛</m:t>
-                              </m:r>
-                            </m:sub>
-                          </m:sSub>
-                        </m:num>
-                        <m:den>
-                          <m:r>
-                            <a:rPr lang="en-US" sz="2400" b="1" i="1" smtClean="0">
-                              <a:latin typeface="Cambria Math" panose="02040503050406030204" pitchFamily="18" charset="0"/>
-                            </a:rPr>
-                            <m:t>𝒅𝒕</m:t>
-                          </m:r>
-                        </m:den>
-                      </m:f>
-                      <m:r>
-                        <a:rPr lang="en-US" sz="2400" b="1" i="1" smtClean="0">
-                          <a:latin typeface="Cambria Math" panose="02040503050406030204" pitchFamily="18" charset="0"/>
-                        </a:rPr>
-                        <m:t>≈</m:t>
-                      </m:r>
-                      <m:r>
-                        <a:rPr lang="en-US" sz="2400" b="1" i="1" smtClean="0">
-                          <a:latin typeface="Cambria Math" panose="02040503050406030204" pitchFamily="18" charset="0"/>
-                        </a:rPr>
-                        <m:t>𝟎</m:t>
-                      </m:r>
-                      <m:r>
-                        <a:rPr lang="en-US" sz="2400" b="1" i="1" smtClean="0">
-                          <a:latin typeface="Cambria Math" panose="02040503050406030204" pitchFamily="18" charset="0"/>
-                        </a:rPr>
-                        <m:t>.</m:t>
-                      </m:r>
-                      <m:r>
-                        <a:rPr lang="en-US" sz="2400" b="1" i="1" smtClean="0">
-                          <a:latin typeface="Cambria Math" panose="02040503050406030204" pitchFamily="18" charset="0"/>
-                        </a:rPr>
-                        <m:t>𝟖</m:t>
-                      </m:r>
-                      <m:f>
-                        <m:fPr>
-                          <m:ctrlPr>
-                            <a:rPr lang="en-US" sz="2400" b="1" i="1" smtClean="0">
-                              <a:latin typeface="Cambria Math" panose="02040503050406030204" pitchFamily="18" charset="0"/>
-                            </a:rPr>
-                          </m:ctrlPr>
-                        </m:fPr>
-                        <m:num>
-                          <m:sSup>
-                            <m:sSupPr>
-                              <m:ctrlPr>
-                                <a:rPr lang="en-US" sz="2400" b="1" i="1" smtClean="0">
-                                  <a:latin typeface="Cambria Math" panose="02040503050406030204" pitchFamily="18" charset="0"/>
-                                </a:rPr>
-                              </m:ctrlPr>
-                            </m:sSupPr>
-                            <m:e>
-                              <m:r>
-                                <a:rPr lang="en-US" sz="2400" b="1" i="1" smtClean="0">
-                                  <a:latin typeface="Cambria Math" panose="02040503050406030204" pitchFamily="18" charset="0"/>
-                                </a:rPr>
-                                <m:t>𝒆</m:t>
-                              </m:r>
-                            </m:e>
-                            <m:sup>
-                              <m:r>
-                                <a:rPr lang="en-US" sz="2400" b="1" i="1" smtClean="0">
-                                  <a:latin typeface="Cambria Math" panose="02040503050406030204" pitchFamily="18" charset="0"/>
-                                </a:rPr>
-                                <m:t>𝟐</m:t>
-                              </m:r>
-                            </m:sup>
-                          </m:sSup>
-                          <m:sSub>
-                            <m:sSubPr>
-                              <m:ctrlPr>
-                                <a:rPr lang="en-US" sz="2400" b="1" i="1" smtClean="0">
-                                  <a:latin typeface="Cambria Math" panose="02040503050406030204" pitchFamily="18" charset="0"/>
-                                </a:rPr>
-                              </m:ctrlPr>
-                            </m:sSubPr>
-                            <m:e>
-                              <m:r>
-                                <a:rPr lang="en-US" sz="2400" b="1" i="1" smtClean="0">
-                                  <a:latin typeface="Cambria Math" panose="02040503050406030204" pitchFamily="18" charset="0"/>
-                                </a:rPr>
-                                <m:t>𝒏</m:t>
-                              </m:r>
-                            </m:e>
-                            <m:sub>
-                              <m:r>
-                                <a:rPr lang="en-US" sz="2400" b="1" i="1" smtClean="0">
-                                  <a:latin typeface="Cambria Math" panose="02040503050406030204" pitchFamily="18" charset="0"/>
-                                </a:rPr>
-                                <m:t>𝟎</m:t>
-                              </m:r>
-                            </m:sub>
-                          </m:sSub>
-                          <m:sSub>
-                            <m:sSubPr>
-                              <m:ctrlPr>
-                                <a:rPr lang="en-US" sz="2400" b="1" i="1" smtClean="0">
-                                  <a:latin typeface="Cambria Math" panose="02040503050406030204" pitchFamily="18" charset="0"/>
-                                </a:rPr>
-                              </m:ctrlPr>
-                            </m:sSubPr>
-                            <m:e>
-                              <m:r>
-                                <a:rPr lang="en-US" sz="2400" b="1" i="1" smtClean="0">
-                                  <a:latin typeface="Cambria Math" panose="02040503050406030204" pitchFamily="18" charset="0"/>
-                                </a:rPr>
-                                <m:t>𝑬</m:t>
-                              </m:r>
-                            </m:e>
-                            <m:sub>
-                              <m:r>
-                                <a:rPr lang="en-US" sz="2400" b="1" i="1" smtClean="0">
-                                  <a:latin typeface="Cambria Math" panose="02040503050406030204" pitchFamily="18" charset="0"/>
-                                </a:rPr>
-                                <m:t>𝒆𝒙𝒕</m:t>
-                              </m:r>
-                            </m:sub>
-                          </m:sSub>
-                        </m:num>
-                        <m:den>
-                          <m:sSub>
-                            <m:sSubPr>
-                              <m:ctrlPr>
-                                <a:rPr lang="en-US" sz="2400" b="1" i="1" smtClean="0">
-                                  <a:latin typeface="Cambria Math" panose="02040503050406030204" pitchFamily="18" charset="0"/>
-                                </a:rPr>
-                              </m:ctrlPr>
-                            </m:sSubPr>
-                            <m:e>
-                              <m:r>
-                                <a:rPr lang="en-US" sz="2400" b="1" i="1" smtClean="0">
-                                  <a:latin typeface="Cambria Math" panose="02040503050406030204" pitchFamily="18" charset="0"/>
-                                </a:rPr>
-                                <m:t>𝒎</m:t>
-                              </m:r>
-                            </m:e>
-                            <m:sub>
-                              <m:r>
-                                <a:rPr lang="en-US" sz="2400" b="1" i="1" smtClean="0">
-                                  <a:latin typeface="Cambria Math" panose="02040503050406030204" pitchFamily="18" charset="0"/>
-                                </a:rPr>
-                                <m:t>𝒆</m:t>
-                              </m:r>
-                            </m:sub>
-                          </m:sSub>
-                        </m:den>
-                      </m:f>
-                    </m:oMath>
-                  </m:oMathPara>
-                </a14:m>
-                <a:endParaRPr lang="en-US" sz="2400" b="1" dirty="0"/>
-              </a:p>
-            </p:txBody>
-          </p:sp>
-        </mc:Choice>
-        <mc:Fallback xmlns="">
-          <p:sp>
-            <p:nvSpPr>
-              <p:cNvPr id="15" name="TextBox 14">
-                <a:extLst>
-                  <a:ext uri="{FF2B5EF4-FFF2-40B4-BE49-F238E27FC236}">
-                    <a16:creationId xmlns:a16="http://schemas.microsoft.com/office/drawing/2014/main" id="{F777BF90-1A23-335E-DC96-9AF2A0B6312F}"/>
-                  </a:ext>
-                </a:extLst>
-              </p:cNvPr>
-              <p:cNvSpPr txBox="1">
-                <a:spLocks noRot="1" noChangeAspect="1" noMove="1" noResize="1" noEditPoints="1" noAdjustHandles="1" noChangeArrowheads="1" noChangeShapeType="1" noTextEdit="1"/>
-              </p:cNvSpPr>
-              <p:nvPr/>
-            </p:nvSpPr>
-            <p:spPr>
-              <a:xfrm>
-                <a:off x="5109493" y="3009064"/>
-                <a:ext cx="2680990" cy="812723"/>
-              </a:xfrm>
-              <a:prstGeom prst="rect">
-                <a:avLst/>
-              </a:prstGeom>
-              <a:blipFill>
-                <a:blip r:embed="rId6"/>
-                <a:stretch>
-                  <a:fillRect/>
-                </a:stretch>
-              </a:blipFill>
-            </p:spPr>
-            <p:txBody>
-              <a:bodyPr/>
-              <a:lstStyle/>
-              <a:p>
-                <a:r>
-                  <a:rPr lang="en-US">
-                    <a:noFill/>
-                  </a:rPr>
-                  <a:t> </a:t>
-                </a:r>
-              </a:p>
-            </p:txBody>
-          </p:sp>
-        </mc:Fallback>
-      </mc:AlternateContent>
       <p:sp>
         <p:nvSpPr>
           <p:cNvPr id="16" name="TextBox 15">

--- a/Diagnostics/local/Figures/paper_figures/Fig1.pptx
+++ b/Diagnostics/local/Figures/paper_figures/Fig1.pptx
@@ -197,7 +197,7 @@
           <a:p>
             <a:fld id="{35AC45B3-7EA6-4BE2-93A0-CBD29CB287C0}" type="datetimeFigureOut">
               <a:rPr lang="en-US" smtClean="0"/>
-              <a:t>7/27/2023</a:t>
+              <a:t>8/25/23</a:t>
             </a:fld>
             <a:endParaRPr lang="en-US"/>
           </a:p>
@@ -679,7 +679,7 @@
           <a:p>
             <a:fld id="{7605E09F-1329-4994-8266-187CDE3C8E3F}" type="datetimeFigureOut">
               <a:rPr lang="en-US" smtClean="0"/>
-              <a:t>7/27/2023</a:t>
+              <a:t>8/25/23</a:t>
             </a:fld>
             <a:endParaRPr lang="en-US"/>
           </a:p>
@@ -849,7 +849,7 @@
           <a:p>
             <a:fld id="{7605E09F-1329-4994-8266-187CDE3C8E3F}" type="datetimeFigureOut">
               <a:rPr lang="en-US" smtClean="0"/>
-              <a:t>7/27/2023</a:t>
+              <a:t>8/25/23</a:t>
             </a:fld>
             <a:endParaRPr lang="en-US"/>
           </a:p>
@@ -1029,7 +1029,7 @@
           <a:p>
             <a:fld id="{7605E09F-1329-4994-8266-187CDE3C8E3F}" type="datetimeFigureOut">
               <a:rPr lang="en-US" smtClean="0"/>
-              <a:t>7/27/2023</a:t>
+              <a:t>8/25/23</a:t>
             </a:fld>
             <a:endParaRPr lang="en-US"/>
           </a:p>
@@ -1199,7 +1199,7 @@
           <a:p>
             <a:fld id="{7605E09F-1329-4994-8266-187CDE3C8E3F}" type="datetimeFigureOut">
               <a:rPr lang="en-US" smtClean="0"/>
-              <a:t>7/27/2023</a:t>
+              <a:t>8/25/23</a:t>
             </a:fld>
             <a:endParaRPr lang="en-US"/>
           </a:p>
@@ -1445,7 +1445,7 @@
           <a:p>
             <a:fld id="{7605E09F-1329-4994-8266-187CDE3C8E3F}" type="datetimeFigureOut">
               <a:rPr lang="en-US" smtClean="0"/>
-              <a:t>7/27/2023</a:t>
+              <a:t>8/25/23</a:t>
             </a:fld>
             <a:endParaRPr lang="en-US"/>
           </a:p>
@@ -1677,7 +1677,7 @@
           <a:p>
             <a:fld id="{7605E09F-1329-4994-8266-187CDE3C8E3F}" type="datetimeFigureOut">
               <a:rPr lang="en-US" smtClean="0"/>
-              <a:t>7/27/2023</a:t>
+              <a:t>8/25/23</a:t>
             </a:fld>
             <a:endParaRPr lang="en-US"/>
           </a:p>
@@ -2044,7 +2044,7 @@
           <a:p>
             <a:fld id="{7605E09F-1329-4994-8266-187CDE3C8E3F}" type="datetimeFigureOut">
               <a:rPr lang="en-US" smtClean="0"/>
-              <a:t>7/27/2023</a:t>
+              <a:t>8/25/23</a:t>
             </a:fld>
             <a:endParaRPr lang="en-US"/>
           </a:p>
@@ -2162,7 +2162,7 @@
           <a:p>
             <a:fld id="{7605E09F-1329-4994-8266-187CDE3C8E3F}" type="datetimeFigureOut">
               <a:rPr lang="en-US" smtClean="0"/>
-              <a:t>7/27/2023</a:t>
+              <a:t>8/25/23</a:t>
             </a:fld>
             <a:endParaRPr lang="en-US"/>
           </a:p>
@@ -2257,7 +2257,7 @@
           <a:p>
             <a:fld id="{7605E09F-1329-4994-8266-187CDE3C8E3F}" type="datetimeFigureOut">
               <a:rPr lang="en-US" smtClean="0"/>
-              <a:t>7/27/2023</a:t>
+              <a:t>8/25/23</a:t>
             </a:fld>
             <a:endParaRPr lang="en-US"/>
           </a:p>
@@ -2534,7 +2534,7 @@
           <a:p>
             <a:fld id="{7605E09F-1329-4994-8266-187CDE3C8E3F}" type="datetimeFigureOut">
               <a:rPr lang="en-US" smtClean="0"/>
-              <a:t>7/27/2023</a:t>
+              <a:t>8/25/23</a:t>
             </a:fld>
             <a:endParaRPr lang="en-US"/>
           </a:p>
@@ -2791,7 +2791,7 @@
           <a:p>
             <a:fld id="{7605E09F-1329-4994-8266-187CDE3C8E3F}" type="datetimeFigureOut">
               <a:rPr lang="en-US" smtClean="0"/>
-              <a:t>7/27/2023</a:t>
+              <a:t>8/25/23</a:t>
             </a:fld>
             <a:endParaRPr lang="en-US"/>
           </a:p>
@@ -3004,7 +3004,7 @@
           <a:p>
             <a:fld id="{7605E09F-1329-4994-8266-187CDE3C8E3F}" type="datetimeFigureOut">
               <a:rPr lang="en-US" smtClean="0"/>
-              <a:t>7/27/2023</a:t>
+              <a:t>8/25/23</a:t>
             </a:fld>
             <a:endParaRPr lang="en-US"/>
           </a:p>
@@ -3411,10 +3411,10 @@
       </p:grpSpPr>
       <p:pic>
         <p:nvPicPr>
-          <p:cNvPr id="6" name="Picture 5">
+          <p:cNvPr id="3" name="Picture 2" descr="A graph showing the value of a number of points&#10;&#10;Description automatically generated with medium confidence">
             <a:extLst>
               <a:ext uri="{FF2B5EF4-FFF2-40B4-BE49-F238E27FC236}">
-                <a16:creationId xmlns:a16="http://schemas.microsoft.com/office/drawing/2014/main" id="{D4AD1B21-FF9F-4EB6-8F39-D2754FE37E94}"/>
+                <a16:creationId xmlns:a16="http://schemas.microsoft.com/office/drawing/2014/main" id="{7B6D0D90-C002-D658-5D56-31097120C5D6}"/>
               </a:ext>
             </a:extLst>
           </p:cNvPr>
@@ -3431,13 +3431,13 @@
               </a:ext>
             </a:extLst>
           </a:blip>
-          <a:srcRect l="5620" t="6374" b="2180"/>
+          <a:srcRect l="5899" t="5246" r="1157" b="2698"/>
           <a:stretch/>
         </p:blipFill>
         <p:spPr>
           <a:xfrm>
-            <a:off x="117987" y="0"/>
-            <a:ext cx="10006781" cy="5683722"/>
+            <a:off x="159249" y="0"/>
+            <a:ext cx="9763948" cy="5668963"/>
           </a:xfrm>
           <a:prstGeom prst="rect">
             <a:avLst/>
